--- a/ppt/middleware.pptx
+++ b/ppt/middleware.pptx
@@ -6,6 +6,7 @@
   </p:sldMasterIdLst>
   <p:sldIdLst>
     <p:sldId id="256" r:id="rId2"/>
+    <p:sldId id="257" r:id="rId3"/>
   </p:sldIdLst>
   <p:sldSz cx="9144000" cy="6858000" type="screen4x3"/>
   <p:notesSz cx="6858000" cy="9144000"/>
@@ -3310,6 +3311,829 @@
     <p:extLst>
       <p:ext uri="{BB962C8B-B14F-4D97-AF65-F5344CB8AC3E}">
         <p14:creationId xmlns:p14="http://schemas.microsoft.com/office/powerpoint/2010/main" val="2150932340"/>
+      </p:ext>
+    </p:extLst>
+  </p:cSld>
+  <p:clrMapOvr>
+    <a:masterClrMapping/>
+  </p:clrMapOvr>
+  <p:timing>
+    <p:tnLst>
+      <p:par>
+        <p:cTn xmlns:p14="http://schemas.microsoft.com/office/powerpoint/2010/main" id="1" dur="indefinite" restart="never" nodeType="tmRoot"/>
+      </p:par>
+    </p:tnLst>
+  </p:timing>
+</p:sld>
+</file>
+
+<file path=ppt/slides/slide2.xml><?xml version="1.0" encoding="utf-8"?>
+<p:sld xmlns:a="http://schemas.openxmlformats.org/drawingml/2006/main" xmlns:r="http://schemas.openxmlformats.org/officeDocument/2006/relationships" xmlns:p="http://schemas.openxmlformats.org/presentationml/2006/main">
+  <p:cSld>
+    <p:bg>
+      <p:bgPr>
+        <a:solidFill>
+          <a:schemeClr val="bg2">
+            <a:lumMod val="90000"/>
+          </a:schemeClr>
+        </a:solidFill>
+        <a:effectLst/>
+      </p:bgPr>
+    </p:bg>
+    <p:spTree>
+      <p:nvGrpSpPr>
+        <p:cNvPr id="1" name=""/>
+        <p:cNvGrpSpPr/>
+        <p:nvPr/>
+      </p:nvGrpSpPr>
+      <p:grpSpPr>
+        <a:xfrm>
+          <a:off x="0" y="0"/>
+          <a:ext cx="0" cy="0"/>
+          <a:chOff x="0" y="0"/>
+          <a:chExt cx="0" cy="0"/>
+        </a:xfrm>
+      </p:grpSpPr>
+      <p:grpSp>
+        <p:nvGrpSpPr>
+          <p:cNvPr id="7" name="Group 6"/>
+          <p:cNvGrpSpPr/>
+          <p:nvPr/>
+        </p:nvGrpSpPr>
+        <p:grpSpPr>
+          <a:xfrm>
+            <a:off x="6194359" y="2700553"/>
+            <a:ext cx="1555509" cy="914400"/>
+            <a:chOff x="3040702" y="1469859"/>
+            <a:chExt cx="1555509" cy="914400"/>
+          </a:xfrm>
+        </p:grpSpPr>
+        <p:sp>
+          <p:nvSpPr>
+            <p:cNvPr id="3" name="TextBox 2"/>
+            <p:cNvSpPr txBox="1"/>
+            <p:nvPr/>
+          </p:nvSpPr>
+          <p:spPr>
+            <a:xfrm>
+              <a:off x="3193788" y="1588771"/>
+              <a:ext cx="1246255" cy="584776"/>
+            </a:xfrm>
+            <a:prstGeom prst="rect">
+              <a:avLst/>
+            </a:prstGeom>
+            <a:noFill/>
+            <a:ln w="19050" cmpd="sng">
+              <a:noFill/>
+            </a:ln>
+          </p:spPr>
+          <p:txBody>
+            <a:bodyPr wrap="none" rtlCol="0" anchor="ctr" anchorCtr="0">
+              <a:spAutoFit/>
+            </a:bodyPr>
+            <a:lstStyle/>
+            <a:p>
+              <a:r>
+                <a:rPr lang="en-US" sz="3200" b="1" dirty="0" err="1" smtClean="0">
+                  <a:solidFill>
+                    <a:schemeClr val="accent1"/>
+                  </a:solidFill>
+                </a:rPr>
+                <a:t>Makai</a:t>
+              </a:r>
+              <a:endParaRPr lang="en-US" sz="3200" b="1" dirty="0">
+                <a:solidFill>
+                  <a:schemeClr val="accent1"/>
+                </a:solidFill>
+              </a:endParaRPr>
+            </a:p>
+          </p:txBody>
+        </p:sp>
+        <p:sp>
+          <p:nvSpPr>
+            <p:cNvPr id="6" name="Rounded Rectangle 5"/>
+            <p:cNvSpPr/>
+            <p:nvPr/>
+          </p:nvSpPr>
+          <p:spPr>
+            <a:xfrm>
+              <a:off x="3040702" y="1469859"/>
+              <a:ext cx="1555509" cy="914400"/>
+            </a:xfrm>
+            <a:prstGeom prst="roundRect">
+              <a:avLst/>
+            </a:prstGeom>
+            <a:noFill/>
+            <a:ln w="28575" cmpd="sng"/>
+          </p:spPr>
+          <p:style>
+            <a:lnRef idx="1">
+              <a:schemeClr val="accent1"/>
+            </a:lnRef>
+            <a:fillRef idx="3">
+              <a:schemeClr val="accent1"/>
+            </a:fillRef>
+            <a:effectRef idx="2">
+              <a:schemeClr val="accent1"/>
+            </a:effectRef>
+            <a:fontRef idx="minor">
+              <a:schemeClr val="lt1"/>
+            </a:fontRef>
+          </p:style>
+          <p:txBody>
+            <a:bodyPr rtlCol="0" anchor="ctr"/>
+            <a:lstStyle/>
+            <a:p>
+              <a:pPr algn="ctr"/>
+              <a:endParaRPr lang="en-US"/>
+            </a:p>
+          </p:txBody>
+        </p:sp>
+      </p:grpSp>
+      <p:grpSp>
+        <p:nvGrpSpPr>
+          <p:cNvPr id="11" name="Group 10"/>
+          <p:cNvGrpSpPr/>
+          <p:nvPr/>
+        </p:nvGrpSpPr>
+        <p:grpSpPr>
+          <a:xfrm>
+            <a:off x="1685887" y="2701426"/>
+            <a:ext cx="1555509" cy="914400"/>
+            <a:chOff x="1524000" y="838200"/>
+            <a:chExt cx="1555509" cy="914400"/>
+          </a:xfrm>
+        </p:grpSpPr>
+        <p:sp>
+          <p:nvSpPr>
+            <p:cNvPr id="4" name="TextBox 3"/>
+            <p:cNvSpPr txBox="1"/>
+            <p:nvPr/>
+          </p:nvSpPr>
+          <p:spPr>
+            <a:xfrm>
+              <a:off x="1635463" y="946994"/>
+              <a:ext cx="1365678" cy="584776"/>
+            </a:xfrm>
+            <a:prstGeom prst="rect">
+              <a:avLst/>
+            </a:prstGeom>
+            <a:noFill/>
+            <a:ln w="19050" cmpd="sng">
+              <a:noFill/>
+            </a:ln>
+          </p:spPr>
+          <p:txBody>
+            <a:bodyPr wrap="none" rtlCol="0" anchor="ctr" anchorCtr="0">
+              <a:spAutoFit/>
+            </a:bodyPr>
+            <a:lstStyle/>
+            <a:p>
+              <a:r>
+                <a:rPr lang="en-US" sz="3200" b="1" dirty="0" err="1" smtClean="0">
+                  <a:solidFill>
+                    <a:schemeClr val="accent1"/>
+                  </a:solidFill>
+                </a:rPr>
+                <a:t>Mauka</a:t>
+              </a:r>
+              <a:endParaRPr lang="en-US" sz="3200" b="1" dirty="0">
+                <a:solidFill>
+                  <a:schemeClr val="accent1"/>
+                </a:solidFill>
+              </a:endParaRPr>
+            </a:p>
+          </p:txBody>
+        </p:sp>
+        <p:sp>
+          <p:nvSpPr>
+            <p:cNvPr id="8" name="Rounded Rectangle 7"/>
+            <p:cNvSpPr/>
+            <p:nvPr/>
+          </p:nvSpPr>
+          <p:spPr>
+            <a:xfrm>
+              <a:off x="1524000" y="838200"/>
+              <a:ext cx="1555509" cy="914400"/>
+            </a:xfrm>
+            <a:prstGeom prst="roundRect">
+              <a:avLst/>
+            </a:prstGeom>
+            <a:noFill/>
+            <a:ln w="28575" cmpd="sng"/>
+          </p:spPr>
+          <p:style>
+            <a:lnRef idx="1">
+              <a:schemeClr val="accent1"/>
+            </a:lnRef>
+            <a:fillRef idx="3">
+              <a:schemeClr val="accent1"/>
+            </a:fillRef>
+            <a:effectRef idx="2">
+              <a:schemeClr val="accent1"/>
+            </a:effectRef>
+            <a:fontRef idx="minor">
+              <a:schemeClr val="lt1"/>
+            </a:fontRef>
+          </p:style>
+          <p:txBody>
+            <a:bodyPr rtlCol="0" anchor="ctr"/>
+            <a:lstStyle/>
+            <a:p>
+              <a:pPr algn="ctr"/>
+              <a:endParaRPr lang="en-US"/>
+            </a:p>
+          </p:txBody>
+        </p:sp>
+      </p:grpSp>
+      <p:grpSp>
+        <p:nvGrpSpPr>
+          <p:cNvPr id="12" name="Group 11"/>
+          <p:cNvGrpSpPr/>
+          <p:nvPr/>
+        </p:nvGrpSpPr>
+        <p:grpSpPr>
+          <a:xfrm>
+            <a:off x="3900925" y="1105040"/>
+            <a:ext cx="1748156" cy="914400"/>
+            <a:chOff x="1445632" y="2333088"/>
+            <a:chExt cx="1748156" cy="914400"/>
+          </a:xfrm>
+        </p:grpSpPr>
+        <p:sp>
+          <p:nvSpPr>
+            <p:cNvPr id="2" name="TextBox 1"/>
+            <p:cNvSpPr txBox="1"/>
+            <p:nvPr/>
+          </p:nvSpPr>
+          <p:spPr>
+            <a:xfrm>
+              <a:off x="1483063" y="2383783"/>
+              <a:ext cx="1710725" cy="584776"/>
+            </a:xfrm>
+            <a:prstGeom prst="rect">
+              <a:avLst/>
+            </a:prstGeom>
+            <a:noFill/>
+            <a:ln w="19050" cmpd="sng">
+              <a:noFill/>
+            </a:ln>
+          </p:spPr>
+          <p:txBody>
+            <a:bodyPr wrap="none" rtlCol="0" anchor="ctr" anchorCtr="0">
+              <a:spAutoFit/>
+            </a:bodyPr>
+            <a:lstStyle/>
+            <a:p>
+              <a:r>
+                <a:rPr lang="en-US" sz="3200" b="1" dirty="0" err="1" smtClean="0">
+                  <a:solidFill>
+                    <a:schemeClr val="accent1"/>
+                  </a:solidFill>
+                </a:rPr>
+                <a:t>Protobuf</a:t>
+              </a:r>
+              <a:endParaRPr lang="en-US" sz="3200" b="1" dirty="0">
+                <a:solidFill>
+                  <a:schemeClr val="accent1"/>
+                </a:solidFill>
+              </a:endParaRPr>
+            </a:p>
+          </p:txBody>
+        </p:sp>
+        <p:sp>
+          <p:nvSpPr>
+            <p:cNvPr id="9" name="Rounded Rectangle 8"/>
+            <p:cNvSpPr/>
+            <p:nvPr/>
+          </p:nvSpPr>
+          <p:spPr>
+            <a:xfrm>
+              <a:off x="1445632" y="2333088"/>
+              <a:ext cx="1748156" cy="914400"/>
+            </a:xfrm>
+            <a:prstGeom prst="roundRect">
+              <a:avLst/>
+            </a:prstGeom>
+            <a:noFill/>
+            <a:ln w="28575" cmpd="sng"/>
+          </p:spPr>
+          <p:style>
+            <a:lnRef idx="1">
+              <a:schemeClr val="accent1"/>
+            </a:lnRef>
+            <a:fillRef idx="3">
+              <a:schemeClr val="accent1"/>
+            </a:fillRef>
+            <a:effectRef idx="2">
+              <a:schemeClr val="accent1"/>
+            </a:effectRef>
+            <a:fontRef idx="minor">
+              <a:schemeClr val="lt1"/>
+            </a:fontRef>
+          </p:style>
+          <p:txBody>
+            <a:bodyPr rtlCol="0" anchor="ctr"/>
+            <a:lstStyle/>
+            <a:p>
+              <a:pPr algn="ctr"/>
+              <a:endParaRPr lang="en-US"/>
+            </a:p>
+          </p:txBody>
+        </p:sp>
+      </p:grpSp>
+      <p:grpSp>
+        <p:nvGrpSpPr>
+          <p:cNvPr id="13" name="Group 12"/>
+          <p:cNvGrpSpPr/>
+          <p:nvPr/>
+        </p:nvGrpSpPr>
+        <p:grpSpPr>
+          <a:xfrm>
+            <a:off x="3997248" y="4179616"/>
+            <a:ext cx="1555509" cy="914400"/>
+            <a:chOff x="4343400" y="3124200"/>
+            <a:chExt cx="1555509" cy="914400"/>
+          </a:xfrm>
+        </p:grpSpPr>
+        <p:sp>
+          <p:nvSpPr>
+            <p:cNvPr id="5" name="TextBox 4"/>
+            <p:cNvSpPr txBox="1"/>
+            <p:nvPr/>
+          </p:nvSpPr>
+          <p:spPr>
+            <a:xfrm>
+              <a:off x="4440043" y="3247488"/>
+              <a:ext cx="1399341" cy="584776"/>
+            </a:xfrm>
+            <a:prstGeom prst="rect">
+              <a:avLst/>
+            </a:prstGeom>
+            <a:noFill/>
+            <a:ln w="19050" cmpd="sng">
+              <a:noFill/>
+            </a:ln>
+          </p:spPr>
+          <p:txBody>
+            <a:bodyPr wrap="none" rtlCol="0" anchor="ctr" anchorCtr="0">
+              <a:spAutoFit/>
+            </a:bodyPr>
+            <a:lstStyle/>
+            <a:p>
+              <a:r>
+                <a:rPr lang="en-US" sz="3200" b="1" dirty="0" smtClean="0">
+                  <a:solidFill>
+                    <a:schemeClr val="accent1"/>
+                  </a:solidFill>
+                </a:rPr>
+                <a:t>Mongo</a:t>
+              </a:r>
+              <a:endParaRPr lang="en-US" sz="3200" b="1" dirty="0">
+                <a:solidFill>
+                  <a:schemeClr val="accent1"/>
+                </a:solidFill>
+              </a:endParaRPr>
+            </a:p>
+          </p:txBody>
+        </p:sp>
+        <p:sp>
+          <p:nvSpPr>
+            <p:cNvPr id="10" name="Rounded Rectangle 9"/>
+            <p:cNvSpPr/>
+            <p:nvPr/>
+          </p:nvSpPr>
+          <p:spPr>
+            <a:xfrm>
+              <a:off x="4343400" y="3124200"/>
+              <a:ext cx="1555509" cy="914400"/>
+            </a:xfrm>
+            <a:prstGeom prst="roundRect">
+              <a:avLst/>
+            </a:prstGeom>
+            <a:noFill/>
+            <a:ln w="28575" cmpd="sng"/>
+          </p:spPr>
+          <p:style>
+            <a:lnRef idx="1">
+              <a:schemeClr val="accent1"/>
+            </a:lnRef>
+            <a:fillRef idx="3">
+              <a:schemeClr val="accent1"/>
+            </a:fillRef>
+            <a:effectRef idx="2">
+              <a:schemeClr val="accent1"/>
+            </a:effectRef>
+            <a:fontRef idx="minor">
+              <a:schemeClr val="lt1"/>
+            </a:fontRef>
+          </p:style>
+          <p:txBody>
+            <a:bodyPr rtlCol="0" anchor="ctr"/>
+            <a:lstStyle/>
+            <a:p>
+              <a:pPr algn="ctr"/>
+              <a:endParaRPr lang="en-US"/>
+            </a:p>
+          </p:txBody>
+        </p:sp>
+      </p:grpSp>
+      <p:grpSp>
+        <p:nvGrpSpPr>
+          <p:cNvPr id="14" name="Group 13"/>
+          <p:cNvGrpSpPr/>
+          <p:nvPr/>
+        </p:nvGrpSpPr>
+        <p:grpSpPr>
+          <a:xfrm>
+            <a:off x="3981376" y="2480596"/>
+            <a:ext cx="1555509" cy="914400"/>
+            <a:chOff x="4343400" y="3124200"/>
+            <a:chExt cx="1555509" cy="914400"/>
+          </a:xfrm>
+        </p:grpSpPr>
+        <p:sp>
+          <p:nvSpPr>
+            <p:cNvPr id="15" name="TextBox 14"/>
+            <p:cNvSpPr txBox="1"/>
+            <p:nvPr/>
+          </p:nvSpPr>
+          <p:spPr>
+            <a:xfrm>
+              <a:off x="4485807" y="3247488"/>
+              <a:ext cx="1315985" cy="584776"/>
+            </a:xfrm>
+            <a:prstGeom prst="rect">
+              <a:avLst/>
+            </a:prstGeom>
+            <a:noFill/>
+            <a:ln w="19050" cmpd="sng">
+              <a:noFill/>
+            </a:ln>
+          </p:spPr>
+          <p:txBody>
+            <a:bodyPr wrap="none" rtlCol="0" anchor="ctr" anchorCtr="0">
+              <a:spAutoFit/>
+            </a:bodyPr>
+            <a:lstStyle/>
+            <a:p>
+              <a:r>
+                <a:rPr lang="en-US" sz="3200" b="1" dirty="0" smtClean="0">
+                  <a:solidFill>
+                    <a:schemeClr val="accent1"/>
+                  </a:solidFill>
+                </a:rPr>
+                <a:t>Health</a:t>
+              </a:r>
+              <a:endParaRPr lang="en-US" sz="3200" b="1" dirty="0">
+                <a:solidFill>
+                  <a:schemeClr val="accent1"/>
+                </a:solidFill>
+              </a:endParaRPr>
+            </a:p>
+          </p:txBody>
+        </p:sp>
+        <p:sp>
+          <p:nvSpPr>
+            <p:cNvPr id="16" name="Rounded Rectangle 15"/>
+            <p:cNvSpPr/>
+            <p:nvPr/>
+          </p:nvSpPr>
+          <p:spPr>
+            <a:xfrm>
+              <a:off x="4343400" y="3124200"/>
+              <a:ext cx="1555509" cy="914400"/>
+            </a:xfrm>
+            <a:prstGeom prst="roundRect">
+              <a:avLst/>
+            </a:prstGeom>
+            <a:noFill/>
+            <a:ln w="28575" cmpd="sng"/>
+          </p:spPr>
+          <p:style>
+            <a:lnRef idx="1">
+              <a:schemeClr val="accent1"/>
+            </a:lnRef>
+            <a:fillRef idx="3">
+              <a:schemeClr val="accent1"/>
+            </a:fillRef>
+            <a:effectRef idx="2">
+              <a:schemeClr val="accent1"/>
+            </a:effectRef>
+            <a:fontRef idx="minor">
+              <a:schemeClr val="lt1"/>
+            </a:fontRef>
+          </p:style>
+          <p:txBody>
+            <a:bodyPr rtlCol="0" anchor="ctr"/>
+            <a:lstStyle/>
+            <a:p>
+              <a:pPr algn="ctr"/>
+              <a:endParaRPr lang="en-US"/>
+            </a:p>
+          </p:txBody>
+        </p:sp>
+      </p:grpSp>
+      <p:cxnSp>
+        <p:nvCxnSpPr>
+          <p:cNvPr id="18" name="Straight Connector 17"/>
+          <p:cNvCxnSpPr>
+            <a:stCxn id="8" idx="3"/>
+            <a:endCxn id="10" idx="0"/>
+          </p:cNvCxnSpPr>
+          <p:nvPr/>
+        </p:nvCxnSpPr>
+        <p:spPr>
+          <a:xfrm>
+            <a:off x="3241396" y="3158626"/>
+            <a:ext cx="1533607" cy="1020990"/>
+          </a:xfrm>
+          <a:prstGeom prst="line">
+            <a:avLst/>
+          </a:prstGeom>
+          <a:ln>
+            <a:headEnd type="triangle" w="lg" len="med"/>
+            <a:tailEnd type="triangle" w="lg" len="med"/>
+          </a:ln>
+        </p:spPr>
+        <p:style>
+          <a:lnRef idx="2">
+            <a:schemeClr val="accent1"/>
+          </a:lnRef>
+          <a:fillRef idx="0">
+            <a:schemeClr val="accent1"/>
+          </a:fillRef>
+          <a:effectRef idx="1">
+            <a:schemeClr val="accent1"/>
+          </a:effectRef>
+          <a:fontRef idx="minor">
+            <a:schemeClr val="tx1"/>
+          </a:fontRef>
+        </p:style>
+      </p:cxnSp>
+      <p:cxnSp>
+        <p:nvCxnSpPr>
+          <p:cNvPr id="21" name="Straight Connector 20"/>
+          <p:cNvCxnSpPr>
+            <a:stCxn id="8" idx="3"/>
+            <a:endCxn id="9" idx="1"/>
+          </p:cNvCxnSpPr>
+          <p:nvPr/>
+        </p:nvCxnSpPr>
+        <p:spPr>
+          <a:xfrm flipV="1">
+            <a:off x="3241396" y="1562240"/>
+            <a:ext cx="659529" cy="1596386"/>
+          </a:xfrm>
+          <a:prstGeom prst="line">
+            <a:avLst/>
+          </a:prstGeom>
+          <a:ln>
+            <a:headEnd type="triangle" w="lg" len="med"/>
+            <a:tailEnd type="triangle" w="lg" len="med"/>
+          </a:ln>
+        </p:spPr>
+        <p:style>
+          <a:lnRef idx="2">
+            <a:schemeClr val="accent1"/>
+          </a:lnRef>
+          <a:fillRef idx="0">
+            <a:schemeClr val="accent1"/>
+          </a:fillRef>
+          <a:effectRef idx="1">
+            <a:schemeClr val="accent1"/>
+          </a:effectRef>
+          <a:fontRef idx="minor">
+            <a:schemeClr val="tx1"/>
+          </a:fontRef>
+        </p:style>
+      </p:cxnSp>
+      <p:cxnSp>
+        <p:nvCxnSpPr>
+          <p:cNvPr id="25" name="Straight Connector 24"/>
+          <p:cNvCxnSpPr>
+            <a:stCxn id="2" idx="3"/>
+            <a:endCxn id="6" idx="1"/>
+          </p:cNvCxnSpPr>
+          <p:nvPr/>
+        </p:nvCxnSpPr>
+        <p:spPr>
+          <a:xfrm>
+            <a:off x="5649081" y="1448123"/>
+            <a:ext cx="545278" cy="1709630"/>
+          </a:xfrm>
+          <a:prstGeom prst="line">
+            <a:avLst/>
+          </a:prstGeom>
+          <a:ln>
+            <a:headEnd type="triangle" w="lg" len="med"/>
+            <a:tailEnd type="triangle" w="lg" len="med"/>
+          </a:ln>
+        </p:spPr>
+        <p:style>
+          <a:lnRef idx="2">
+            <a:schemeClr val="accent1"/>
+          </a:lnRef>
+          <a:fillRef idx="0">
+            <a:schemeClr val="accent1"/>
+          </a:fillRef>
+          <a:effectRef idx="1">
+            <a:schemeClr val="accent1"/>
+          </a:effectRef>
+          <a:fontRef idx="minor">
+            <a:schemeClr val="tx1"/>
+          </a:fontRef>
+        </p:style>
+      </p:cxnSp>
+      <p:cxnSp>
+        <p:nvCxnSpPr>
+          <p:cNvPr id="27" name="Straight Connector 26"/>
+          <p:cNvCxnSpPr>
+            <a:stCxn id="10" idx="0"/>
+            <a:endCxn id="6" idx="1"/>
+          </p:cNvCxnSpPr>
+          <p:nvPr/>
+        </p:nvCxnSpPr>
+        <p:spPr>
+          <a:xfrm flipV="1">
+            <a:off x="4775003" y="3157753"/>
+            <a:ext cx="1419356" cy="1021863"/>
+          </a:xfrm>
+          <a:prstGeom prst="line">
+            <a:avLst/>
+          </a:prstGeom>
+          <a:ln>
+            <a:headEnd type="triangle" w="lg" len="med"/>
+            <a:tailEnd type="triangle" w="lg" len="med"/>
+          </a:ln>
+        </p:spPr>
+        <p:style>
+          <a:lnRef idx="2">
+            <a:schemeClr val="accent1"/>
+          </a:lnRef>
+          <a:fillRef idx="0">
+            <a:schemeClr val="accent1"/>
+          </a:fillRef>
+          <a:effectRef idx="1">
+            <a:schemeClr val="accent1"/>
+          </a:effectRef>
+          <a:fontRef idx="minor">
+            <a:schemeClr val="tx1"/>
+          </a:fontRef>
+        </p:style>
+      </p:cxnSp>
+      <p:cxnSp>
+        <p:nvCxnSpPr>
+          <p:cNvPr id="32" name="Straight Connector 31"/>
+          <p:cNvCxnSpPr>
+            <a:stCxn id="16" idx="3"/>
+            <a:endCxn id="6" idx="1"/>
+          </p:cNvCxnSpPr>
+          <p:nvPr/>
+        </p:nvCxnSpPr>
+        <p:spPr>
+          <a:xfrm>
+            <a:off x="5536885" y="2937796"/>
+            <a:ext cx="657474" cy="219957"/>
+          </a:xfrm>
+          <a:prstGeom prst="line">
+            <a:avLst/>
+          </a:prstGeom>
+          <a:ln>
+            <a:headEnd type="triangle" w="lg" len="med"/>
+            <a:tailEnd type="triangle" w="lg" len="med"/>
+          </a:ln>
+        </p:spPr>
+        <p:style>
+          <a:lnRef idx="2">
+            <a:schemeClr val="accent1"/>
+          </a:lnRef>
+          <a:fillRef idx="0">
+            <a:schemeClr val="accent1"/>
+          </a:fillRef>
+          <a:effectRef idx="1">
+            <a:schemeClr val="accent1"/>
+          </a:effectRef>
+          <a:fontRef idx="minor">
+            <a:schemeClr val="tx1"/>
+          </a:fontRef>
+        </p:style>
+      </p:cxnSp>
+      <p:cxnSp>
+        <p:nvCxnSpPr>
+          <p:cNvPr id="35" name="Straight Connector 34"/>
+          <p:cNvCxnSpPr>
+            <a:stCxn id="16" idx="0"/>
+            <a:endCxn id="9" idx="2"/>
+          </p:cNvCxnSpPr>
+          <p:nvPr/>
+        </p:nvCxnSpPr>
+        <p:spPr>
+          <a:xfrm flipV="1">
+            <a:off x="4759131" y="2019440"/>
+            <a:ext cx="15872" cy="461156"/>
+          </a:xfrm>
+          <a:prstGeom prst="line">
+            <a:avLst/>
+          </a:prstGeom>
+          <a:ln>
+            <a:headEnd type="triangle" w="lg" len="med"/>
+            <a:tailEnd type="triangle" w="lg" len="med"/>
+          </a:ln>
+        </p:spPr>
+        <p:style>
+          <a:lnRef idx="2">
+            <a:schemeClr val="accent1"/>
+          </a:lnRef>
+          <a:fillRef idx="0">
+            <a:schemeClr val="accent1"/>
+          </a:fillRef>
+          <a:effectRef idx="1">
+            <a:schemeClr val="accent1"/>
+          </a:effectRef>
+          <a:fontRef idx="minor">
+            <a:schemeClr val="tx1"/>
+          </a:fontRef>
+        </p:style>
+      </p:cxnSp>
+      <p:cxnSp>
+        <p:nvCxnSpPr>
+          <p:cNvPr id="38" name="Straight Connector 37"/>
+          <p:cNvCxnSpPr>
+            <a:stCxn id="8" idx="3"/>
+            <a:endCxn id="16" idx="1"/>
+          </p:cNvCxnSpPr>
+          <p:nvPr/>
+        </p:nvCxnSpPr>
+        <p:spPr>
+          <a:xfrm flipV="1">
+            <a:off x="3241396" y="2937796"/>
+            <a:ext cx="739980" cy="220830"/>
+          </a:xfrm>
+          <a:prstGeom prst="line">
+            <a:avLst/>
+          </a:prstGeom>
+          <a:ln>
+            <a:headEnd type="triangle" w="lg" len="med"/>
+            <a:tailEnd type="triangle" w="lg" len="med"/>
+          </a:ln>
+        </p:spPr>
+        <p:style>
+          <a:lnRef idx="2">
+            <a:schemeClr val="accent1"/>
+          </a:lnRef>
+          <a:fillRef idx="0">
+            <a:schemeClr val="accent1"/>
+          </a:fillRef>
+          <a:effectRef idx="1">
+            <a:schemeClr val="accent1"/>
+          </a:effectRef>
+          <a:fontRef idx="minor">
+            <a:schemeClr val="tx1"/>
+          </a:fontRef>
+        </p:style>
+      </p:cxnSp>
+      <p:cxnSp>
+        <p:nvCxnSpPr>
+          <p:cNvPr id="41" name="Straight Connector 40"/>
+          <p:cNvCxnSpPr>
+            <a:stCxn id="16" idx="2"/>
+            <a:endCxn id="10" idx="0"/>
+          </p:cNvCxnSpPr>
+          <p:nvPr/>
+        </p:nvCxnSpPr>
+        <p:spPr>
+          <a:xfrm>
+            <a:off x="4759131" y="3394996"/>
+            <a:ext cx="15872" cy="784620"/>
+          </a:xfrm>
+          <a:prstGeom prst="line">
+            <a:avLst/>
+          </a:prstGeom>
+          <a:ln>
+            <a:headEnd type="triangle" w="lg" len="med"/>
+            <a:tailEnd type="triangle" w="lg" len="med"/>
+          </a:ln>
+        </p:spPr>
+        <p:style>
+          <a:lnRef idx="2">
+            <a:schemeClr val="accent1"/>
+          </a:lnRef>
+          <a:fillRef idx="0">
+            <a:schemeClr val="accent1"/>
+          </a:fillRef>
+          <a:effectRef idx="1">
+            <a:schemeClr val="accent1"/>
+          </a:effectRef>
+          <a:fontRef idx="minor">
+            <a:schemeClr val="tx1"/>
+          </a:fontRef>
+        </p:style>
+      </p:cxnSp>
+    </p:spTree>
+    <p:extLst>
+      <p:ext uri="{BB962C8B-B14F-4D97-AF65-F5344CB8AC3E}">
+        <p14:creationId xmlns:p14="http://schemas.microsoft.com/office/powerpoint/2010/main" val="2087998951"/>
       </p:ext>
     </p:extLst>
   </p:cSld>

--- a/ppt/middleware.pptx
+++ b/ppt/middleware.pptx
@@ -7,8 +7,9 @@
   <p:sldIdLst>
     <p:sldId id="256" r:id="rId2"/>
     <p:sldId id="257" r:id="rId3"/>
+    <p:sldId id="258" r:id="rId4"/>
   </p:sldIdLst>
-  <p:sldSz cx="9144000" cy="6858000" type="screen4x3"/>
+  <p:sldSz cx="9144000" cy="9144000"/>
   <p:notesSz cx="6858000" cy="9144000"/>
   <p:defaultTextStyle>
     <a:defPPr>
@@ -137,8 +138,8 @@
         </p:nvSpPr>
         <p:spPr>
           <a:xfrm>
-            <a:off x="685800" y="2130425"/>
-            <a:ext cx="7772400" cy="1470025"/>
+            <a:off x="685800" y="2840568"/>
+            <a:ext cx="7772400" cy="1960033"/>
           </a:xfrm>
         </p:spPr>
         <p:txBody>
@@ -165,8 +166,8 @@
         </p:nvSpPr>
         <p:spPr>
           <a:xfrm>
-            <a:off x="1371600" y="3886200"/>
-            <a:ext cx="6400800" cy="1752600"/>
+            <a:off x="1371600" y="5181600"/>
+            <a:ext cx="6400800" cy="2336800"/>
           </a:xfrm>
         </p:spPr>
         <p:txBody>
@@ -549,8 +550,8 @@
         </p:nvSpPr>
         <p:spPr>
           <a:xfrm>
-            <a:off x="6629400" y="274638"/>
-            <a:ext cx="2057400" cy="5851525"/>
+            <a:off x="6629400" y="366185"/>
+            <a:ext cx="2057400" cy="7802033"/>
           </a:xfrm>
         </p:spPr>
         <p:txBody>
@@ -577,8 +578,8 @@
         </p:nvSpPr>
         <p:spPr>
           <a:xfrm>
-            <a:off x="457200" y="274638"/>
-            <a:ext cx="6019800" cy="5851525"/>
+            <a:off x="457200" y="366185"/>
+            <a:ext cx="6019800" cy="7802033"/>
           </a:xfrm>
         </p:spPr>
         <p:txBody>
@@ -899,8 +900,8 @@
         </p:nvSpPr>
         <p:spPr>
           <a:xfrm>
-            <a:off x="722313" y="4406900"/>
-            <a:ext cx="7772400" cy="1362075"/>
+            <a:off x="722313" y="5875867"/>
+            <a:ext cx="7772400" cy="1816100"/>
           </a:xfrm>
         </p:spPr>
         <p:txBody>
@@ -931,8 +932,8 @@
         </p:nvSpPr>
         <p:spPr>
           <a:xfrm>
-            <a:off x="722313" y="2906713"/>
-            <a:ext cx="7772400" cy="1500187"/>
+            <a:off x="722313" y="3875618"/>
+            <a:ext cx="7772400" cy="2000249"/>
           </a:xfrm>
         </p:spPr>
         <p:txBody>
@@ -1168,8 +1169,8 @@
         </p:nvSpPr>
         <p:spPr>
           <a:xfrm>
-            <a:off x="457200" y="1600200"/>
-            <a:ext cx="4038600" cy="4525963"/>
+            <a:off x="457200" y="2133601"/>
+            <a:ext cx="4038600" cy="6034617"/>
           </a:xfrm>
         </p:spPr>
         <p:txBody>
@@ -1253,8 +1254,8 @@
         </p:nvSpPr>
         <p:spPr>
           <a:xfrm>
-            <a:off x="4648200" y="1600200"/>
-            <a:ext cx="4038600" cy="4525963"/>
+            <a:off x="4648200" y="2133601"/>
+            <a:ext cx="4038600" cy="6034617"/>
           </a:xfrm>
         </p:spPr>
         <p:txBody>
@@ -1460,8 +1461,8 @@
         </p:nvSpPr>
         <p:spPr>
           <a:xfrm>
-            <a:off x="457200" y="1535113"/>
-            <a:ext cx="4040188" cy="639762"/>
+            <a:off x="457200" y="2046817"/>
+            <a:ext cx="4040188" cy="853016"/>
           </a:xfrm>
         </p:spPr>
         <p:txBody>
@@ -1525,8 +1526,8 @@
         </p:nvSpPr>
         <p:spPr>
           <a:xfrm>
-            <a:off x="457200" y="2174875"/>
-            <a:ext cx="4040188" cy="3951288"/>
+            <a:off x="457200" y="2899833"/>
+            <a:ext cx="4040188" cy="5268384"/>
           </a:xfrm>
         </p:spPr>
         <p:txBody>
@@ -1610,8 +1611,8 @@
         </p:nvSpPr>
         <p:spPr>
           <a:xfrm>
-            <a:off x="4645025" y="1535113"/>
-            <a:ext cx="4041775" cy="639762"/>
+            <a:off x="4645026" y="2046817"/>
+            <a:ext cx="4041775" cy="853016"/>
           </a:xfrm>
         </p:spPr>
         <p:txBody>
@@ -1675,8 +1676,8 @@
         </p:nvSpPr>
         <p:spPr>
           <a:xfrm>
-            <a:off x="4645025" y="2174875"/>
-            <a:ext cx="4041775" cy="3951288"/>
+            <a:off x="4645026" y="2899833"/>
+            <a:ext cx="4041775" cy="5268384"/>
           </a:xfrm>
         </p:spPr>
         <p:txBody>
@@ -2068,8 +2069,8 @@
         </p:nvSpPr>
         <p:spPr>
           <a:xfrm>
-            <a:off x="457200" y="273050"/>
-            <a:ext cx="3008313" cy="1162050"/>
+            <a:off x="457201" y="364067"/>
+            <a:ext cx="3008313" cy="1549400"/>
           </a:xfrm>
         </p:spPr>
         <p:txBody>
@@ -2100,8 +2101,8 @@
         </p:nvSpPr>
         <p:spPr>
           <a:xfrm>
-            <a:off x="3575050" y="273050"/>
-            <a:ext cx="5111750" cy="5853113"/>
+            <a:off x="3575050" y="364067"/>
+            <a:ext cx="5111750" cy="7804151"/>
           </a:xfrm>
         </p:spPr>
         <p:txBody>
@@ -2185,8 +2186,8 @@
         </p:nvSpPr>
         <p:spPr>
           <a:xfrm>
-            <a:off x="457200" y="1435100"/>
-            <a:ext cx="3008313" cy="4691063"/>
+            <a:off x="457201" y="1913467"/>
+            <a:ext cx="3008313" cy="6254751"/>
           </a:xfrm>
         </p:spPr>
         <p:txBody>
@@ -2345,8 +2346,8 @@
         </p:nvSpPr>
         <p:spPr>
           <a:xfrm>
-            <a:off x="1792288" y="4800600"/>
-            <a:ext cx="5486400" cy="566738"/>
+            <a:off x="1792288" y="6400800"/>
+            <a:ext cx="5486400" cy="755651"/>
           </a:xfrm>
         </p:spPr>
         <p:txBody>
@@ -2377,8 +2378,8 @@
         </p:nvSpPr>
         <p:spPr>
           <a:xfrm>
-            <a:off x="1792288" y="612775"/>
-            <a:ext cx="5486400" cy="4114800"/>
+            <a:off x="1792288" y="817033"/>
+            <a:ext cx="5486400" cy="5486400"/>
           </a:xfrm>
         </p:spPr>
         <p:txBody>
@@ -2438,8 +2439,8 @@
         </p:nvSpPr>
         <p:spPr>
           <a:xfrm>
-            <a:off x="1792288" y="5367338"/>
-            <a:ext cx="5486400" cy="804862"/>
+            <a:off x="1792288" y="7156451"/>
+            <a:ext cx="5486400" cy="1073149"/>
           </a:xfrm>
         </p:spPr>
         <p:txBody>
@@ -2603,8 +2604,8 @@
         </p:nvSpPr>
         <p:spPr>
           <a:xfrm>
-            <a:off x="457200" y="274638"/>
-            <a:ext cx="8229600" cy="1143000"/>
+            <a:off x="457200" y="366184"/>
+            <a:ext cx="8229600" cy="1524000"/>
           </a:xfrm>
           <a:prstGeom prst="rect">
             <a:avLst/>
@@ -2636,8 +2637,8 @@
         </p:nvSpPr>
         <p:spPr>
           <a:xfrm>
-            <a:off x="457200" y="1600200"/>
-            <a:ext cx="8229600" cy="4525963"/>
+            <a:off x="457200" y="2133601"/>
+            <a:ext cx="8229600" cy="6034617"/>
           </a:xfrm>
           <a:prstGeom prst="rect">
             <a:avLst/>
@@ -2698,8 +2699,8 @@
         </p:nvSpPr>
         <p:spPr>
           <a:xfrm>
-            <a:off x="457200" y="6356350"/>
-            <a:ext cx="2133600" cy="365125"/>
+            <a:off x="457200" y="8475134"/>
+            <a:ext cx="2133600" cy="486833"/>
           </a:xfrm>
           <a:prstGeom prst="rect">
             <a:avLst/>
@@ -2739,8 +2740,8 @@
         </p:nvSpPr>
         <p:spPr>
           <a:xfrm>
-            <a:off x="3124200" y="6356350"/>
-            <a:ext cx="2895600" cy="365125"/>
+            <a:off x="3124200" y="8475134"/>
+            <a:ext cx="2895600" cy="486833"/>
           </a:xfrm>
           <a:prstGeom prst="rect">
             <a:avLst/>
@@ -2776,8 +2777,8 @@
         </p:nvSpPr>
         <p:spPr>
           <a:xfrm>
-            <a:off x="6553200" y="6356350"/>
-            <a:ext cx="2133600" cy="365125"/>
+            <a:off x="6553200" y="8475134"/>
+            <a:ext cx="2133600" cy="486833"/>
           </a:xfrm>
           <a:prstGeom prst="rect">
             <a:avLst/>
@@ -3104,7 +3105,7 @@
         </p:nvSpPr>
         <p:spPr>
           <a:xfrm>
-            <a:off x="2848741" y="2968559"/>
+            <a:off x="2848742" y="4055541"/>
             <a:ext cx="1710725" cy="584776"/>
           </a:xfrm>
           <a:prstGeom prst="rect">
@@ -3147,7 +3148,7 @@
         </p:nvSpPr>
         <p:spPr>
           <a:xfrm>
-            <a:off x="4559466" y="2173547"/>
+            <a:off x="4559467" y="2995525"/>
             <a:ext cx="1246255" cy="584776"/>
           </a:xfrm>
           <a:prstGeom prst="rect">
@@ -3190,7 +3191,7 @@
         </p:nvSpPr>
         <p:spPr>
           <a:xfrm>
-            <a:off x="3001141" y="1531770"/>
+            <a:off x="3001141" y="2139822"/>
             <a:ext cx="1365678" cy="584776"/>
           </a:xfrm>
           <a:prstGeom prst="rect">
@@ -3233,7 +3234,7 @@
         </p:nvSpPr>
         <p:spPr>
           <a:xfrm>
-            <a:off x="4406380" y="3845723"/>
+            <a:off x="4406381" y="5225093"/>
             <a:ext cx="1399341" cy="584776"/>
           </a:xfrm>
           <a:prstGeom prst="rect">
@@ -3276,8 +3277,8 @@
         </p:nvSpPr>
         <p:spPr>
           <a:xfrm>
-            <a:off x="2596903" y="1254613"/>
-            <a:ext cx="3649733" cy="3653970"/>
+            <a:off x="2596904" y="1672817"/>
+            <a:ext cx="3649733" cy="4871960"/>
           </a:xfrm>
           <a:prstGeom prst="rect">
             <a:avLst/>
@@ -3362,8 +3363,8 @@
         </p:nvGrpSpPr>
         <p:grpSpPr>
           <a:xfrm>
-            <a:off x="6194359" y="2700553"/>
-            <a:ext cx="1555509" cy="914400"/>
+            <a:off x="7204197" y="3579075"/>
+            <a:ext cx="1555509" cy="1219200"/>
             <a:chOff x="3040702" y="1469859"/>
             <a:chExt cx="1555509" cy="914400"/>
           </a:xfrm>
@@ -3376,8 +3377,8 @@
           </p:nvSpPr>
           <p:spPr>
             <a:xfrm>
-              <a:off x="3193788" y="1588771"/>
-              <a:ext cx="1246255" cy="584776"/>
+              <a:off x="3193788" y="1661867"/>
+              <a:ext cx="1246255" cy="438582"/>
             </a:xfrm>
             <a:prstGeom prst="rect">
               <a:avLst/>
@@ -3458,8 +3459,8 @@
         </p:nvGrpSpPr>
         <p:grpSpPr>
           <a:xfrm>
-            <a:off x="1685887" y="2701426"/>
-            <a:ext cx="1555509" cy="914400"/>
+            <a:off x="908133" y="3511413"/>
+            <a:ext cx="1555509" cy="1219200"/>
             <a:chOff x="1524000" y="838200"/>
             <a:chExt cx="1555509" cy="914400"/>
           </a:xfrm>
@@ -3472,8 +3473,8 @@
           </p:nvSpPr>
           <p:spPr>
             <a:xfrm>
-              <a:off x="1635463" y="946994"/>
-              <a:ext cx="1365678" cy="584776"/>
+              <a:off x="1635463" y="1020091"/>
+              <a:ext cx="1365678" cy="438582"/>
             </a:xfrm>
             <a:prstGeom prst="rect">
               <a:avLst/>
@@ -3554,8 +3555,8 @@
         </p:nvGrpSpPr>
         <p:grpSpPr>
           <a:xfrm>
-            <a:off x="3900925" y="1105040"/>
-            <a:ext cx="1748156" cy="914400"/>
+            <a:off x="3900925" y="711631"/>
+            <a:ext cx="1748156" cy="1219200"/>
             <a:chOff x="1445632" y="2333088"/>
             <a:chExt cx="1748156" cy="914400"/>
           </a:xfrm>
@@ -3568,8 +3569,8 @@
           </p:nvSpPr>
           <p:spPr>
             <a:xfrm>
-              <a:off x="1483063" y="2383783"/>
-              <a:ext cx="1710725" cy="584776"/>
+              <a:off x="1483063" y="2456879"/>
+              <a:ext cx="1710725" cy="438582"/>
             </a:xfrm>
             <a:prstGeom prst="rect">
               <a:avLst/>
@@ -3650,8 +3651,8 @@
         </p:nvGrpSpPr>
         <p:grpSpPr>
           <a:xfrm>
-            <a:off x="3997248" y="4179616"/>
-            <a:ext cx="1555509" cy="914400"/>
+            <a:off x="4034366" y="6930022"/>
+            <a:ext cx="1555509" cy="1219200"/>
             <a:chOff x="4343400" y="3124200"/>
             <a:chExt cx="1555509" cy="914400"/>
           </a:xfrm>
@@ -3664,8 +3665,8 @@
           </p:nvSpPr>
           <p:spPr>
             <a:xfrm>
-              <a:off x="4440043" y="3247488"/>
-              <a:ext cx="1399341" cy="584776"/>
+              <a:off x="4440043" y="3320585"/>
+              <a:ext cx="1399341" cy="438582"/>
             </a:xfrm>
             <a:prstGeom prst="rect">
               <a:avLst/>
@@ -3746,8 +3747,8 @@
         </p:nvGrpSpPr>
         <p:grpSpPr>
           <a:xfrm>
-            <a:off x="3981376" y="2480596"/>
-            <a:ext cx="1555509" cy="914400"/>
+            <a:off x="3981377" y="3513952"/>
+            <a:ext cx="1555509" cy="1219200"/>
             <a:chOff x="4343400" y="3124200"/>
             <a:chExt cx="1555509" cy="914400"/>
           </a:xfrm>
@@ -3760,8 +3761,8 @@
           </p:nvSpPr>
           <p:spPr>
             <a:xfrm>
-              <a:off x="4485807" y="3247488"/>
-              <a:ext cx="1315985" cy="584776"/>
+              <a:off x="4485807" y="3320585"/>
+              <a:ext cx="1315985" cy="438582"/>
             </a:xfrm>
             <a:prstGeom prst="rect">
               <a:avLst/>
@@ -3845,8 +3846,8 @@
         </p:nvCxnSpPr>
         <p:spPr>
           <a:xfrm>
-            <a:off x="3241396" y="3158626"/>
-            <a:ext cx="1533607" cy="1020990"/>
+            <a:off x="2463642" y="4121013"/>
+            <a:ext cx="2348479" cy="2809009"/>
           </a:xfrm>
           <a:prstGeom prst="line">
             <a:avLst/>
@@ -3882,8 +3883,8 @@
         </p:nvCxnSpPr>
         <p:spPr>
           <a:xfrm flipV="1">
-            <a:off x="3241396" y="1562240"/>
-            <a:ext cx="659529" cy="1596386"/>
+            <a:off x="2463642" y="1321231"/>
+            <a:ext cx="1437283" cy="2799782"/>
           </a:xfrm>
           <a:prstGeom prst="line">
             <a:avLst/>
@@ -3919,8 +3920,8 @@
         </p:nvCxnSpPr>
         <p:spPr>
           <a:xfrm>
-            <a:off x="5649081" y="1448123"/>
-            <a:ext cx="545278" cy="1709630"/>
+            <a:off x="5649081" y="1169074"/>
+            <a:ext cx="1555116" cy="3019601"/>
           </a:xfrm>
           <a:prstGeom prst="line">
             <a:avLst/>
@@ -3956,8 +3957,8 @@
         </p:nvCxnSpPr>
         <p:spPr>
           <a:xfrm flipV="1">
-            <a:off x="4775003" y="3157753"/>
-            <a:ext cx="1419356" cy="1021863"/>
+            <a:off x="4812121" y="4188675"/>
+            <a:ext cx="2392076" cy="2741347"/>
           </a:xfrm>
           <a:prstGeom prst="line">
             <a:avLst/>
@@ -3993,8 +3994,8 @@
         </p:nvCxnSpPr>
         <p:spPr>
           <a:xfrm>
-            <a:off x="5536885" y="2937796"/>
-            <a:ext cx="657474" cy="219957"/>
+            <a:off x="5536886" y="4123552"/>
+            <a:ext cx="1667311" cy="65123"/>
           </a:xfrm>
           <a:prstGeom prst="line">
             <a:avLst/>
@@ -4030,8 +4031,8 @@
         </p:nvCxnSpPr>
         <p:spPr>
           <a:xfrm flipV="1">
-            <a:off x="4759131" y="2019440"/>
-            <a:ext cx="15872" cy="461156"/>
+            <a:off x="4759132" y="1930831"/>
+            <a:ext cx="15871" cy="1583121"/>
           </a:xfrm>
           <a:prstGeom prst="line">
             <a:avLst/>
@@ -4066,9 +4067,9 @@
           <p:nvPr/>
         </p:nvCxnSpPr>
         <p:spPr>
-          <a:xfrm flipV="1">
-            <a:off x="3241396" y="2937796"/>
-            <a:ext cx="739980" cy="220830"/>
+          <a:xfrm>
+            <a:off x="2463642" y="4121013"/>
+            <a:ext cx="1517735" cy="2539"/>
           </a:xfrm>
           <a:prstGeom prst="line">
             <a:avLst/>
@@ -4104,8 +4105,8 @@
         </p:nvCxnSpPr>
         <p:spPr>
           <a:xfrm>
-            <a:off x="4759131" y="3394996"/>
-            <a:ext cx="15872" cy="784620"/>
+            <a:off x="4759132" y="4733152"/>
+            <a:ext cx="52989" cy="2196870"/>
           </a:xfrm>
           <a:prstGeom prst="line">
             <a:avLst/>
@@ -4147,6 +4148,209 @@
       </p:par>
     </p:tnLst>
   </p:timing>
+</p:sld>
+</file>
+
+<file path=ppt/slides/slide3.xml><?xml version="1.0" encoding="utf-8"?>
+<p:sld xmlns:a="http://schemas.openxmlformats.org/drawingml/2006/main" xmlns:r="http://schemas.openxmlformats.org/officeDocument/2006/relationships" xmlns:p="http://schemas.openxmlformats.org/presentationml/2006/main">
+  <p:cSld>
+    <p:spTree>
+      <p:nvGrpSpPr>
+        <p:cNvPr id="1" name=""/>
+        <p:cNvGrpSpPr/>
+        <p:nvPr/>
+      </p:nvGrpSpPr>
+      <p:grpSpPr>
+        <a:xfrm>
+          <a:off x="0" y="0"/>
+          <a:ext cx="0" cy="0"/>
+          <a:chOff x="0" y="0"/>
+          <a:chExt cx="0" cy="0"/>
+        </a:xfrm>
+      </p:grpSpPr>
+      <p:pic>
+        <p:nvPicPr>
+          <p:cNvPr id="3" name="Picture 2" descr="maukamakai.jpg"/>
+          <p:cNvPicPr>
+            <a:picLocks noChangeAspect="1"/>
+          </p:cNvPicPr>
+          <p:nvPr/>
+        </p:nvPicPr>
+        <p:blipFill>
+          <a:blip r:embed="rId2">
+            <a:extLst>
+              <a:ext uri="{28A0092B-C50C-407E-A947-70E740481C1C}">
+                <a14:useLocalDpi xmlns:a14="http://schemas.microsoft.com/office/drawing/2010/main" val="0"/>
+              </a:ext>
+            </a:extLst>
+          </a:blip>
+          <a:stretch>
+            <a:fillRect/>
+          </a:stretch>
+        </p:blipFill>
+        <p:spPr>
+          <a:xfrm>
+            <a:off x="894392" y="280510"/>
+            <a:ext cx="4392792" cy="3253920"/>
+          </a:xfrm>
+          <a:prstGeom prst="rect">
+            <a:avLst/>
+          </a:prstGeom>
+        </p:spPr>
+      </p:pic>
+      <p:pic>
+        <p:nvPicPr>
+          <p:cNvPr id="4" name="Picture 3" descr="mongodb.png"/>
+          <p:cNvPicPr>
+            <a:picLocks noChangeAspect="1"/>
+          </p:cNvPicPr>
+          <p:nvPr/>
+        </p:nvPicPr>
+        <p:blipFill>
+          <a:blip r:embed="rId3">
+            <a:extLst>
+              <a:ext uri="{28A0092B-C50C-407E-A947-70E740481C1C}">
+                <a14:useLocalDpi xmlns:a14="http://schemas.microsoft.com/office/drawing/2010/main" val="0"/>
+              </a:ext>
+            </a:extLst>
+          </a:blip>
+          <a:stretch>
+            <a:fillRect/>
+          </a:stretch>
+        </p:blipFill>
+        <p:spPr>
+          <a:xfrm>
+            <a:off x="4972685" y="1881647"/>
+            <a:ext cx="3586508" cy="4203075"/>
+          </a:xfrm>
+          <a:prstGeom prst="rect">
+            <a:avLst/>
+          </a:prstGeom>
+        </p:spPr>
+      </p:pic>
+      <p:pic>
+        <p:nvPicPr>
+          <p:cNvPr id="5" name="Picture 4" descr="protobuf.png"/>
+          <p:cNvPicPr>
+            <a:picLocks noChangeAspect="1"/>
+          </p:cNvPicPr>
+          <p:nvPr/>
+        </p:nvPicPr>
+        <p:blipFill>
+          <a:blip r:embed="rId4">
+            <a:extLst>
+              <a:ext uri="{28A0092B-C50C-407E-A947-70E740481C1C}">
+                <a14:useLocalDpi xmlns:a14="http://schemas.microsoft.com/office/drawing/2010/main" val="0"/>
+              </a:ext>
+            </a:extLst>
+          </a:blip>
+          <a:stretch>
+            <a:fillRect/>
+          </a:stretch>
+        </p:blipFill>
+        <p:spPr>
+          <a:xfrm>
+            <a:off x="3519133" y="7038260"/>
+            <a:ext cx="5040060" cy="1260015"/>
+          </a:xfrm>
+          <a:prstGeom prst="rect">
+            <a:avLst/>
+          </a:prstGeom>
+        </p:spPr>
+      </p:pic>
+      <p:grpSp>
+        <p:nvGrpSpPr>
+          <p:cNvPr id="7" name="Group 6"/>
+          <p:cNvGrpSpPr/>
+          <p:nvPr/>
+        </p:nvGrpSpPr>
+        <p:grpSpPr>
+          <a:xfrm>
+            <a:off x="894392" y="4076070"/>
+            <a:ext cx="2715929" cy="2579249"/>
+            <a:chOff x="1086340" y="4305579"/>
+            <a:chExt cx="2715929" cy="2579249"/>
+          </a:xfrm>
+        </p:grpSpPr>
+        <p:pic>
+          <p:nvPicPr>
+            <p:cNvPr id="2" name="Picture 1" descr="health.png"/>
+            <p:cNvPicPr>
+              <a:picLocks noChangeAspect="1"/>
+            </p:cNvPicPr>
+            <p:nvPr/>
+          </p:nvPicPr>
+          <p:blipFill>
+            <a:blip r:embed="rId5">
+              <a:extLst>
+                <a:ext uri="{28A0092B-C50C-407E-A947-70E740481C1C}">
+                  <a14:useLocalDpi xmlns:a14="http://schemas.microsoft.com/office/drawing/2010/main" val="0"/>
+                </a:ext>
+              </a:extLst>
+            </a:blip>
+            <a:stretch>
+              <a:fillRect/>
+            </a:stretch>
+          </p:blipFill>
+          <p:spPr>
+            <a:xfrm>
+              <a:off x="1086340" y="4305579"/>
+              <a:ext cx="2715929" cy="2127477"/>
+            </a:xfrm>
+            <a:prstGeom prst="rect">
+              <a:avLst/>
+            </a:prstGeom>
+          </p:spPr>
+        </p:pic>
+        <p:sp>
+          <p:nvSpPr>
+            <p:cNvPr id="6" name="TextBox 5"/>
+            <p:cNvSpPr txBox="1"/>
+            <p:nvPr/>
+          </p:nvSpPr>
+          <p:spPr>
+            <a:xfrm>
+              <a:off x="1424105" y="6300052"/>
+              <a:ext cx="2186216" cy="584776"/>
+            </a:xfrm>
+            <a:prstGeom prst="rect">
+              <a:avLst/>
+            </a:prstGeom>
+            <a:noFill/>
+          </p:spPr>
+          <p:txBody>
+            <a:bodyPr wrap="none" rtlCol="0">
+              <a:spAutoFit/>
+            </a:bodyPr>
+            <a:lstStyle/>
+            <a:p>
+              <a:r>
+                <a:rPr lang="en-US" sz="3200" b="1" dirty="0" smtClean="0">
+                  <a:solidFill>
+                    <a:srgbClr val="FF0000"/>
+                  </a:solidFill>
+                </a:rPr>
+                <a:t>OPQ Health</a:t>
+              </a:r>
+              <a:endParaRPr lang="en-US" sz="3200" b="1" dirty="0">
+                <a:solidFill>
+                  <a:srgbClr val="FF0000"/>
+                </a:solidFill>
+              </a:endParaRPr>
+            </a:p>
+          </p:txBody>
+        </p:sp>
+      </p:grpSp>
+    </p:spTree>
+    <p:extLst>
+      <p:ext uri="{BB962C8B-B14F-4D97-AF65-F5344CB8AC3E}">
+        <p14:creationId xmlns:p14="http://schemas.microsoft.com/office/powerpoint/2010/main" val="714078084"/>
+      </p:ext>
+    </p:extLst>
+  </p:cSld>
+  <p:clrMapOvr>
+    <a:masterClrMapping/>
+  </p:clrMapOvr>
 </p:sld>
 </file>
 
